--- a/CardGameAssistant.pptx
+++ b/CardGameAssistant.pptx
@@ -12,6 +12,7 @@
     <p:sldId id="261" r:id="rId6"/>
     <p:sldId id="260" r:id="rId7"/>
     <p:sldId id="262" r:id="rId8"/>
+    <p:sldId id="263" r:id="rId9"/>
   </p:sldIdLst>
   <p:sldSz cx="12192000" cy="6858000"/>
   <p:notesSz cx="6858000" cy="9144000"/>
@@ -110,6 +111,11 @@
       </a:defRPr>
     </a:lvl9pPr>
   </p:defaultTextStyle>
+  <p:extLst>
+    <p:ext uri="{EFAFB233-063F-42B5-8137-9DF3F51BA10A}">
+      <p15:sldGuideLst xmlns:p15="http://schemas.microsoft.com/office/powerpoint/2012/main"/>
+    </p:ext>
+  </p:extLst>
 </p:presentation>
 </file>
 
@@ -835,7 +841,7 @@
           <a:p>
             <a:fld id="{DA10DD3B-B1C6-452C-A7A9-59A10AD89BCD}" type="datetimeFigureOut">
               <a:rPr lang="en-IE" smtClean="0"/>
-              <a:t>27/11/2020</a:t>
+              <a:t>30/11/2020</a:t>
             </a:fld>
             <a:endParaRPr lang="en-IE"/>
           </a:p>
@@ -1086,7 +1092,7 @@
           <a:p>
             <a:fld id="{DA10DD3B-B1C6-452C-A7A9-59A10AD89BCD}" type="datetimeFigureOut">
               <a:rPr lang="en-IE" smtClean="0"/>
-              <a:t>27/11/2020</a:t>
+              <a:t>30/11/2020</a:t>
             </a:fld>
             <a:endParaRPr lang="en-IE"/>
           </a:p>
@@ -1400,7 +1406,7 @@
           <a:p>
             <a:fld id="{DA10DD3B-B1C6-452C-A7A9-59A10AD89BCD}" type="datetimeFigureOut">
               <a:rPr lang="en-IE" smtClean="0"/>
-              <a:t>27/11/2020</a:t>
+              <a:t>30/11/2020</a:t>
             </a:fld>
             <a:endParaRPr lang="en-IE"/>
           </a:p>
@@ -1741,7 +1747,7 @@
           <a:p>
             <a:fld id="{DA10DD3B-B1C6-452C-A7A9-59A10AD89BCD}" type="datetimeFigureOut">
               <a:rPr lang="en-IE" smtClean="0"/>
-              <a:t>27/11/2020</a:t>
+              <a:t>30/11/2020</a:t>
             </a:fld>
             <a:endParaRPr lang="en-IE"/>
           </a:p>
@@ -2055,7 +2061,7 @@
           <a:p>
             <a:fld id="{DA10DD3B-B1C6-452C-A7A9-59A10AD89BCD}" type="datetimeFigureOut">
               <a:rPr lang="en-IE" smtClean="0"/>
-              <a:t>27/11/2020</a:t>
+              <a:t>30/11/2020</a:t>
             </a:fld>
             <a:endParaRPr lang="en-IE"/>
           </a:p>
@@ -2448,7 +2454,7 @@
           <a:p>
             <a:fld id="{DA10DD3B-B1C6-452C-A7A9-59A10AD89BCD}" type="datetimeFigureOut">
               <a:rPr lang="en-IE" smtClean="0"/>
-              <a:t>27/11/2020</a:t>
+              <a:t>30/11/2020</a:t>
             </a:fld>
             <a:endParaRPr lang="en-IE"/>
           </a:p>
@@ -2618,7 +2624,7 @@
           <a:p>
             <a:fld id="{DA10DD3B-B1C6-452C-A7A9-59A10AD89BCD}" type="datetimeFigureOut">
               <a:rPr lang="en-IE" smtClean="0"/>
-              <a:t>27/11/2020</a:t>
+              <a:t>30/11/2020</a:t>
             </a:fld>
             <a:endParaRPr lang="en-IE"/>
           </a:p>
@@ -2798,7 +2804,7 @@
           <a:p>
             <a:fld id="{DA10DD3B-B1C6-452C-A7A9-59A10AD89BCD}" type="datetimeFigureOut">
               <a:rPr lang="en-IE" smtClean="0"/>
-              <a:t>27/11/2020</a:t>
+              <a:t>30/11/2020</a:t>
             </a:fld>
             <a:endParaRPr lang="en-IE"/>
           </a:p>
@@ -2974,7 +2980,7 @@
           <a:p>
             <a:fld id="{DA10DD3B-B1C6-452C-A7A9-59A10AD89BCD}" type="datetimeFigureOut">
               <a:rPr lang="en-IE" smtClean="0"/>
-              <a:t>27/11/2020</a:t>
+              <a:t>30/11/2020</a:t>
             </a:fld>
             <a:endParaRPr lang="en-IE"/>
           </a:p>
@@ -3221,7 +3227,7 @@
           <a:p>
             <a:fld id="{DA10DD3B-B1C6-452C-A7A9-59A10AD89BCD}" type="datetimeFigureOut">
               <a:rPr lang="en-IE" smtClean="0"/>
-              <a:t>27/11/2020</a:t>
+              <a:t>30/11/2020</a:t>
             </a:fld>
             <a:endParaRPr lang="en-IE"/>
           </a:p>
@@ -3453,7 +3459,7 @@
           <a:p>
             <a:fld id="{DA10DD3B-B1C6-452C-A7A9-59A10AD89BCD}" type="datetimeFigureOut">
               <a:rPr lang="en-IE" smtClean="0"/>
-              <a:t>27/11/2020</a:t>
+              <a:t>30/11/2020</a:t>
             </a:fld>
             <a:endParaRPr lang="en-IE"/>
           </a:p>
@@ -3827,7 +3833,7 @@
           <a:p>
             <a:fld id="{DA10DD3B-B1C6-452C-A7A9-59A10AD89BCD}" type="datetimeFigureOut">
               <a:rPr lang="en-IE" smtClean="0"/>
-              <a:t>27/11/2020</a:t>
+              <a:t>30/11/2020</a:t>
             </a:fld>
             <a:endParaRPr lang="en-IE"/>
           </a:p>
@@ -3950,7 +3956,7 @@
           <a:p>
             <a:fld id="{DA10DD3B-B1C6-452C-A7A9-59A10AD89BCD}" type="datetimeFigureOut">
               <a:rPr lang="en-IE" smtClean="0"/>
-              <a:t>27/11/2020</a:t>
+              <a:t>30/11/2020</a:t>
             </a:fld>
             <a:endParaRPr lang="en-IE"/>
           </a:p>
@@ -4045,7 +4051,7 @@
           <a:p>
             <a:fld id="{DA10DD3B-B1C6-452C-A7A9-59A10AD89BCD}" type="datetimeFigureOut">
               <a:rPr lang="en-IE" smtClean="0"/>
-              <a:t>27/11/2020</a:t>
+              <a:t>30/11/2020</a:t>
             </a:fld>
             <a:endParaRPr lang="en-IE"/>
           </a:p>
@@ -4300,7 +4306,7 @@
           <a:p>
             <a:fld id="{DA10DD3B-B1C6-452C-A7A9-59A10AD89BCD}" type="datetimeFigureOut">
               <a:rPr lang="en-IE" smtClean="0"/>
-              <a:t>27/11/2020</a:t>
+              <a:t>30/11/2020</a:t>
             </a:fld>
             <a:endParaRPr lang="en-IE"/>
           </a:p>
@@ -4563,7 +4569,7 @@
           <a:p>
             <a:fld id="{DA10DD3B-B1C6-452C-A7A9-59A10AD89BCD}" type="datetimeFigureOut">
               <a:rPr lang="en-IE" smtClean="0"/>
-              <a:t>27/11/2020</a:t>
+              <a:t>30/11/2020</a:t>
             </a:fld>
             <a:endParaRPr lang="en-IE"/>
           </a:p>
@@ -5306,7 +5312,7 @@
           <a:p>
             <a:fld id="{DA10DD3B-B1C6-452C-A7A9-59A10AD89BCD}" type="datetimeFigureOut">
               <a:rPr lang="en-IE" smtClean="0"/>
-              <a:t>27/11/2020</a:t>
+              <a:t>30/11/2020</a:t>
             </a:fld>
             <a:endParaRPr lang="en-IE"/>
           </a:p>
@@ -6783,6 +6789,191 @@
 </p:sld>
 </file>
 
+<file path=ppt/slides/slide8.xml><?xml version="1.0" encoding="utf-8"?>
+<p:sld xmlns:a="http://schemas.openxmlformats.org/drawingml/2006/main" xmlns:r="http://schemas.openxmlformats.org/officeDocument/2006/relationships" xmlns:p="http://schemas.openxmlformats.org/presentationml/2006/main">
+  <p:cSld>
+    <p:spTree>
+      <p:nvGrpSpPr>
+        <p:cNvPr id="1" name=""/>
+        <p:cNvGrpSpPr/>
+        <p:nvPr/>
+      </p:nvGrpSpPr>
+      <p:grpSpPr>
+        <a:xfrm>
+          <a:off x="0" y="0"/>
+          <a:ext cx="0" cy="0"/>
+          <a:chOff x="0" y="0"/>
+          <a:chExt cx="0" cy="0"/>
+        </a:xfrm>
+      </p:grpSpPr>
+      <p:sp>
+        <p:nvSpPr>
+          <p:cNvPr id="2" name="Title 1">
+            <a:extLst>
+              <a:ext uri="{FF2B5EF4-FFF2-40B4-BE49-F238E27FC236}">
+                <a16:creationId xmlns:a16="http://schemas.microsoft.com/office/drawing/2014/main" id="{C215D12C-C4E5-48D4-AF74-B6CAA074C550}"/>
+              </a:ext>
+            </a:extLst>
+          </p:cNvPr>
+          <p:cNvSpPr>
+            <a:spLocks noGrp="1"/>
+          </p:cNvSpPr>
+          <p:nvPr>
+            <p:ph type="title"/>
+          </p:nvPr>
+        </p:nvSpPr>
+        <p:spPr/>
+        <p:txBody>
+          <a:bodyPr/>
+          <a:lstStyle/>
+          <a:p>
+            <a:r>
+              <a:rPr lang="en-IE"/>
+              <a:t>In summary</a:t>
+            </a:r>
+            <a:endParaRPr lang="en-IE" dirty="0"/>
+          </a:p>
+        </p:txBody>
+      </p:sp>
+      <p:sp>
+        <p:nvSpPr>
+          <p:cNvPr id="3" name="Content Placeholder 2">
+            <a:extLst>
+              <a:ext uri="{FF2B5EF4-FFF2-40B4-BE49-F238E27FC236}">
+                <a16:creationId xmlns:a16="http://schemas.microsoft.com/office/drawing/2014/main" id="{7F48E9F6-ECDD-473C-9408-AD0214DA2F34}"/>
+              </a:ext>
+            </a:extLst>
+          </p:cNvPr>
+          <p:cNvSpPr>
+            <a:spLocks noGrp="1"/>
+          </p:cNvSpPr>
+          <p:nvPr>
+            <p:ph idx="1"/>
+          </p:nvPr>
+        </p:nvSpPr>
+        <p:spPr>
+          <a:xfrm>
+            <a:off x="677334" y="2160589"/>
+            <a:ext cx="6646513" cy="1268411"/>
+          </a:xfrm>
+        </p:spPr>
+        <p:txBody>
+          <a:bodyPr/>
+          <a:lstStyle/>
+          <a:p>
+            <a:r>
+              <a:rPr lang="en-IE" dirty="0"/>
+              <a:t>Assuming reasonable quality of input our program determines the value, suit and colour of all cards</a:t>
+            </a:r>
+          </a:p>
+          <a:p>
+            <a:r>
+              <a:rPr lang="en-IE" dirty="0"/>
+              <a:t>It also tells the user what poker hand they have</a:t>
+            </a:r>
+          </a:p>
+        </p:txBody>
+      </p:sp>
+      <p:pic>
+        <p:nvPicPr>
+          <p:cNvPr id="5" name="Picture 4">
+            <a:extLst>
+              <a:ext uri="{FF2B5EF4-FFF2-40B4-BE49-F238E27FC236}">
+                <a16:creationId xmlns:a16="http://schemas.microsoft.com/office/drawing/2014/main" id="{5729DC80-893C-4186-BF16-9CF93DEFBE2A}"/>
+              </a:ext>
+            </a:extLst>
+          </p:cNvPr>
+          <p:cNvPicPr>
+            <a:picLocks noChangeAspect="1"/>
+          </p:cNvPicPr>
+          <p:nvPr/>
+        </p:nvPicPr>
+        <p:blipFill>
+          <a:blip r:embed="rId2"/>
+          <a:stretch>
+            <a:fillRect/>
+          </a:stretch>
+        </p:blipFill>
+        <p:spPr>
+          <a:xfrm>
+            <a:off x="7321820" y="344558"/>
+            <a:ext cx="1952182" cy="5791200"/>
+          </a:xfrm>
+          <a:prstGeom prst="rect">
+            <a:avLst/>
+          </a:prstGeom>
+        </p:spPr>
+      </p:pic>
+      <p:sp>
+        <p:nvSpPr>
+          <p:cNvPr id="6" name="TextBox 5">
+            <a:extLst>
+              <a:ext uri="{FF2B5EF4-FFF2-40B4-BE49-F238E27FC236}">
+                <a16:creationId xmlns:a16="http://schemas.microsoft.com/office/drawing/2014/main" id="{BC2E6B8C-CBFA-4932-806F-499F813314D8}"/>
+              </a:ext>
+            </a:extLst>
+          </p:cNvPr>
+          <p:cNvSpPr txBox="1"/>
+          <p:nvPr/>
+        </p:nvSpPr>
+        <p:spPr>
+          <a:xfrm>
+            <a:off x="1354785" y="4136047"/>
+            <a:ext cx="4052101" cy="954107"/>
+          </a:xfrm>
+          <a:prstGeom prst="rect">
+            <a:avLst/>
+          </a:prstGeom>
+          <a:noFill/>
+        </p:spPr>
+        <p:txBody>
+          <a:bodyPr wrap="square" rtlCol="0">
+            <a:spAutoFit/>
+          </a:bodyPr>
+          <a:lstStyle/>
+          <a:p>
+            <a:pPr algn="ctr"/>
+            <a:r>
+              <a:rPr lang="en-IE" sz="2800" dirty="0">
+                <a:solidFill>
+                  <a:schemeClr val="tx1">
+                    <a:lumMod val="65000"/>
+                    <a:lumOff val="35000"/>
+                  </a:schemeClr>
+                </a:solidFill>
+              </a:rPr>
+              <a:t>Thank you for listening.</a:t>
+            </a:r>
+          </a:p>
+          <a:p>
+            <a:pPr algn="ctr"/>
+            <a:r>
+              <a:rPr lang="en-IE" sz="2800" dirty="0">
+                <a:solidFill>
+                  <a:schemeClr val="tx1">
+                    <a:lumMod val="65000"/>
+                    <a:lumOff val="35000"/>
+                  </a:schemeClr>
+                </a:solidFill>
+              </a:rPr>
+              <a:t>Any Questions?</a:t>
+            </a:r>
+          </a:p>
+        </p:txBody>
+      </p:sp>
+    </p:spTree>
+    <p:extLst>
+      <p:ext uri="{BB962C8B-B14F-4D97-AF65-F5344CB8AC3E}">
+        <p14:creationId xmlns:p14="http://schemas.microsoft.com/office/powerpoint/2010/main" val="3503117012"/>
+      </p:ext>
+    </p:extLst>
+  </p:cSld>
+  <p:clrMapOvr>
+    <a:masterClrMapping/>
+  </p:clrMapOvr>
+</p:sld>
+</file>
+
 <file path=ppt/theme/theme1.xml><?xml version="1.0" encoding="utf-8"?>
 <a:theme xmlns:a="http://schemas.openxmlformats.org/drawingml/2006/main" name="Facet">
   <a:themeElements>
